--- a/session1/presentation/Networking.pptx
+++ b/session1/presentation/Networking.pptx
@@ -266,7 +266,7 @@
           <a:p>
             <a:fld id="{1139FA4A-C808-4981-8BA9-64217A6CCEA7}" type="datetimeFigureOut">
               <a:rPr lang="en-US" smtClean="0"/>
-              <a:t>9/1/2017</a:t>
+              <a:t>9/2/2017</a:t>
             </a:fld>
             <a:endParaRPr lang="en-US"/>
           </a:p>
@@ -434,7 +434,7 @@
           <a:p>
             <a:fld id="{1139FA4A-C808-4981-8BA9-64217A6CCEA7}" type="datetimeFigureOut">
               <a:rPr lang="en-US" smtClean="0"/>
-              <a:t>9/1/2017</a:t>
+              <a:t>9/2/2017</a:t>
             </a:fld>
             <a:endParaRPr lang="en-US"/>
           </a:p>
@@ -612,7 +612,7 @@
           <a:p>
             <a:fld id="{1139FA4A-C808-4981-8BA9-64217A6CCEA7}" type="datetimeFigureOut">
               <a:rPr lang="en-US" smtClean="0"/>
-              <a:t>9/1/2017</a:t>
+              <a:t>9/2/2017</a:t>
             </a:fld>
             <a:endParaRPr lang="en-US"/>
           </a:p>
@@ -780,7 +780,7 @@
           <a:p>
             <a:fld id="{1139FA4A-C808-4981-8BA9-64217A6CCEA7}" type="datetimeFigureOut">
               <a:rPr lang="en-US" smtClean="0"/>
-              <a:t>9/1/2017</a:t>
+              <a:t>9/2/2017</a:t>
             </a:fld>
             <a:endParaRPr lang="en-US"/>
           </a:p>
@@ -1025,7 +1025,7 @@
           <a:p>
             <a:fld id="{1139FA4A-C808-4981-8BA9-64217A6CCEA7}" type="datetimeFigureOut">
               <a:rPr lang="en-US" smtClean="0"/>
-              <a:t>9/1/2017</a:t>
+              <a:t>9/2/2017</a:t>
             </a:fld>
             <a:endParaRPr lang="en-US"/>
           </a:p>
@@ -1254,7 +1254,7 @@
           <a:p>
             <a:fld id="{1139FA4A-C808-4981-8BA9-64217A6CCEA7}" type="datetimeFigureOut">
               <a:rPr lang="en-US" smtClean="0"/>
-              <a:t>9/1/2017</a:t>
+              <a:t>9/2/2017</a:t>
             </a:fld>
             <a:endParaRPr lang="en-US"/>
           </a:p>
@@ -1618,7 +1618,7 @@
           <a:p>
             <a:fld id="{1139FA4A-C808-4981-8BA9-64217A6CCEA7}" type="datetimeFigureOut">
               <a:rPr lang="en-US" smtClean="0"/>
-              <a:t>9/1/2017</a:t>
+              <a:t>9/2/2017</a:t>
             </a:fld>
             <a:endParaRPr lang="en-US"/>
           </a:p>
@@ -1735,7 +1735,7 @@
           <a:p>
             <a:fld id="{1139FA4A-C808-4981-8BA9-64217A6CCEA7}" type="datetimeFigureOut">
               <a:rPr lang="en-US" smtClean="0"/>
-              <a:t>9/1/2017</a:t>
+              <a:t>9/2/2017</a:t>
             </a:fld>
             <a:endParaRPr lang="en-US"/>
           </a:p>
@@ -1830,7 +1830,7 @@
           <a:p>
             <a:fld id="{1139FA4A-C808-4981-8BA9-64217A6CCEA7}" type="datetimeFigureOut">
               <a:rPr lang="en-US" smtClean="0"/>
-              <a:t>9/1/2017</a:t>
+              <a:t>9/2/2017</a:t>
             </a:fld>
             <a:endParaRPr lang="en-US"/>
           </a:p>
@@ -2105,7 +2105,7 @@
           <a:p>
             <a:fld id="{1139FA4A-C808-4981-8BA9-64217A6CCEA7}" type="datetimeFigureOut">
               <a:rPr lang="en-US" smtClean="0"/>
-              <a:t>9/1/2017</a:t>
+              <a:t>9/2/2017</a:t>
             </a:fld>
             <a:endParaRPr lang="en-US"/>
           </a:p>
@@ -2357,7 +2357,7 @@
           <a:p>
             <a:fld id="{1139FA4A-C808-4981-8BA9-64217A6CCEA7}" type="datetimeFigureOut">
               <a:rPr lang="en-US" smtClean="0"/>
-              <a:t>9/1/2017</a:t>
+              <a:t>9/2/2017</a:t>
             </a:fld>
             <a:endParaRPr lang="en-US"/>
           </a:p>
@@ -2568,7 +2568,7 @@
           <a:p>
             <a:fld id="{1139FA4A-C808-4981-8BA9-64217A6CCEA7}" type="datetimeFigureOut">
               <a:rPr lang="en-US" smtClean="0"/>
-              <a:t>9/1/2017</a:t>
+              <a:t>9/2/2017</a:t>
             </a:fld>
             <a:endParaRPr lang="en-US"/>
           </a:p>
@@ -6075,6 +6075,26 @@
                 <a:latin typeface="Consolas" panose="020B0609020204030204" pitchFamily="49" charset="0"/>
                 <a:cs typeface="Consolas" panose="020B0609020204030204" pitchFamily="49" charset="0"/>
               </a:rPr>
+              <a:t>sudo</a:t>
+            </a:r>
+            <a:r>
+              <a:rPr lang="en-US" sz="2000" b="1" i="1" dirty="0">
+                <a:solidFill>
+                  <a:srgbClr val="0070C0"/>
+                </a:solidFill>
+                <a:latin typeface="Consolas" panose="020B0609020204030204" pitchFamily="49" charset="0"/>
+                <a:cs typeface="Consolas" panose="020B0609020204030204" pitchFamily="49" charset="0"/>
+              </a:rPr>
+              <a:t> </a:t>
+            </a:r>
+            <a:r>
+              <a:rPr lang="en-US" sz="2000" b="1" i="1" dirty="0" err="1">
+                <a:solidFill>
+                  <a:srgbClr val="0070C0"/>
+                </a:solidFill>
+                <a:latin typeface="Consolas" panose="020B0609020204030204" pitchFamily="49" charset="0"/>
+                <a:cs typeface="Consolas" panose="020B0609020204030204" pitchFamily="49" charset="0"/>
+              </a:rPr>
               <a:t>mkdir</a:t>
             </a:r>
             <a:r>
@@ -6085,7 +6105,7 @@
                 <a:latin typeface="Consolas" panose="020B0609020204030204" pitchFamily="49" charset="0"/>
                 <a:cs typeface="Consolas" panose="020B0609020204030204" pitchFamily="49" charset="0"/>
               </a:rPr>
-              <a:t> /media/pi/USBHDD</a:t>
+              <a:t> /home/pi/USBHDD</a:t>
             </a:r>
           </a:p>
           <a:p>
@@ -6170,7 +6190,7 @@
                 <a:latin typeface="Consolas" panose="020B0609020204030204" pitchFamily="49" charset="0"/>
                 <a:cs typeface="Consolas" panose="020B0609020204030204" pitchFamily="49" charset="0"/>
               </a:rPr>
-              <a:t>=pi /dev/sda1 /media/pi/USBHDD</a:t>
+              <a:t>=pi /dev/sda1 /home/pi/USBHDD</a:t>
             </a:r>
           </a:p>
           <a:p>
@@ -7856,7 +7876,7 @@
                 <a:latin typeface="Consolas" panose="020B0609020204030204" pitchFamily="49" charset="0"/>
                 <a:cs typeface="Consolas" panose="020B0609020204030204" pitchFamily="49" charset="0"/>
               </a:rPr>
-              <a:t>path = /media/pi/USBHDD </a:t>
+              <a:t>path = /home/pi/USBHDD </a:t>
             </a:r>
           </a:p>
           <a:p>

--- a/session1/presentation/Networking.pptx
+++ b/session1/presentation/Networking.pptx
@@ -266,7 +266,7 @@
           <a:p>
             <a:fld id="{1139FA4A-C808-4981-8BA9-64217A6CCEA7}" type="datetimeFigureOut">
               <a:rPr lang="en-US" smtClean="0"/>
-              <a:t>9/2/2017</a:t>
+              <a:t>3/26/2018</a:t>
             </a:fld>
             <a:endParaRPr lang="en-US"/>
           </a:p>
@@ -434,7 +434,7 @@
           <a:p>
             <a:fld id="{1139FA4A-C808-4981-8BA9-64217A6CCEA7}" type="datetimeFigureOut">
               <a:rPr lang="en-US" smtClean="0"/>
-              <a:t>9/2/2017</a:t>
+              <a:t>3/26/2018</a:t>
             </a:fld>
             <a:endParaRPr lang="en-US"/>
           </a:p>
@@ -612,7 +612,7 @@
           <a:p>
             <a:fld id="{1139FA4A-C808-4981-8BA9-64217A6CCEA7}" type="datetimeFigureOut">
               <a:rPr lang="en-US" smtClean="0"/>
-              <a:t>9/2/2017</a:t>
+              <a:t>3/26/2018</a:t>
             </a:fld>
             <a:endParaRPr lang="en-US"/>
           </a:p>
@@ -780,7 +780,7 @@
           <a:p>
             <a:fld id="{1139FA4A-C808-4981-8BA9-64217A6CCEA7}" type="datetimeFigureOut">
               <a:rPr lang="en-US" smtClean="0"/>
-              <a:t>9/2/2017</a:t>
+              <a:t>3/26/2018</a:t>
             </a:fld>
             <a:endParaRPr lang="en-US"/>
           </a:p>
@@ -1025,7 +1025,7 @@
           <a:p>
             <a:fld id="{1139FA4A-C808-4981-8BA9-64217A6CCEA7}" type="datetimeFigureOut">
               <a:rPr lang="en-US" smtClean="0"/>
-              <a:t>9/2/2017</a:t>
+              <a:t>3/26/2018</a:t>
             </a:fld>
             <a:endParaRPr lang="en-US"/>
           </a:p>
@@ -1254,7 +1254,7 @@
           <a:p>
             <a:fld id="{1139FA4A-C808-4981-8BA9-64217A6CCEA7}" type="datetimeFigureOut">
               <a:rPr lang="en-US" smtClean="0"/>
-              <a:t>9/2/2017</a:t>
+              <a:t>3/26/2018</a:t>
             </a:fld>
             <a:endParaRPr lang="en-US"/>
           </a:p>
@@ -1618,7 +1618,7 @@
           <a:p>
             <a:fld id="{1139FA4A-C808-4981-8BA9-64217A6CCEA7}" type="datetimeFigureOut">
               <a:rPr lang="en-US" smtClean="0"/>
-              <a:t>9/2/2017</a:t>
+              <a:t>3/26/2018</a:t>
             </a:fld>
             <a:endParaRPr lang="en-US"/>
           </a:p>
@@ -1735,7 +1735,7 @@
           <a:p>
             <a:fld id="{1139FA4A-C808-4981-8BA9-64217A6CCEA7}" type="datetimeFigureOut">
               <a:rPr lang="en-US" smtClean="0"/>
-              <a:t>9/2/2017</a:t>
+              <a:t>3/26/2018</a:t>
             </a:fld>
             <a:endParaRPr lang="en-US"/>
           </a:p>
@@ -1830,7 +1830,7 @@
           <a:p>
             <a:fld id="{1139FA4A-C808-4981-8BA9-64217A6CCEA7}" type="datetimeFigureOut">
               <a:rPr lang="en-US" smtClean="0"/>
-              <a:t>9/2/2017</a:t>
+              <a:t>3/26/2018</a:t>
             </a:fld>
             <a:endParaRPr lang="en-US"/>
           </a:p>
@@ -2105,7 +2105,7 @@
           <a:p>
             <a:fld id="{1139FA4A-C808-4981-8BA9-64217A6CCEA7}" type="datetimeFigureOut">
               <a:rPr lang="en-US" smtClean="0"/>
-              <a:t>9/2/2017</a:t>
+              <a:t>3/26/2018</a:t>
             </a:fld>
             <a:endParaRPr lang="en-US"/>
           </a:p>
@@ -2357,7 +2357,7 @@
           <a:p>
             <a:fld id="{1139FA4A-C808-4981-8BA9-64217A6CCEA7}" type="datetimeFigureOut">
               <a:rPr lang="en-US" smtClean="0"/>
-              <a:t>9/2/2017</a:t>
+              <a:t>3/26/2018</a:t>
             </a:fld>
             <a:endParaRPr lang="en-US"/>
           </a:p>
@@ -2568,7 +2568,7 @@
           <a:p>
             <a:fld id="{1139FA4A-C808-4981-8BA9-64217A6CCEA7}" type="datetimeFigureOut">
               <a:rPr lang="en-US" smtClean="0"/>
-              <a:t>9/2/2017</a:t>
+              <a:t>3/26/2018</a:t>
             </a:fld>
             <a:endParaRPr lang="en-US"/>
           </a:p>
@@ -3008,14 +3008,38 @@
           <a:lstStyle/>
           <a:p>
             <a:r>
-              <a:rPr lang="en-US" dirty="0"/>
+              <a:rPr lang="en-US" b="1" dirty="0">
+                <a:effectLst>
+                  <a:outerShdw blurRad="38100" dist="38100" dir="2700000" algn="tl">
+                    <a:srgbClr val="000000">
+                      <a:alpha val="43137"/>
+                    </a:srgbClr>
+                  </a:outerShdw>
+                </a:effectLst>
+              </a:rPr>
               <a:t>Raspberry pi</a:t>
             </a:r>
             <a:br>
-              <a:rPr lang="en-US" dirty="0"/>
+              <a:rPr lang="en-US" b="1" dirty="0">
+                <a:effectLst>
+                  <a:outerShdw blurRad="38100" dist="38100" dir="2700000" algn="tl">
+                    <a:srgbClr val="000000">
+                      <a:alpha val="43137"/>
+                    </a:srgbClr>
+                  </a:outerShdw>
+                </a:effectLst>
+              </a:rPr>
             </a:br>
             <a:r>
-              <a:rPr lang="en-US" dirty="0"/>
+              <a:rPr lang="en-US" b="1" dirty="0">
+                <a:effectLst>
+                  <a:outerShdw blurRad="38100" dist="38100" dir="2700000" algn="tl">
+                    <a:srgbClr val="000000">
+                      <a:alpha val="43137"/>
+                    </a:srgbClr>
+                  </a:outerShdw>
+                </a:effectLst>
+              </a:rPr>
               <a:t>Networking</a:t>
             </a:r>
           </a:p>
@@ -3306,7 +3330,15 @@
           </a:lstStyle>
           <a:p>
             <a:r>
-              <a:rPr lang="en-US" dirty="0"/>
+              <a:rPr lang="en-US" b="1" dirty="0">
+                <a:effectLst>
+                  <a:outerShdw blurRad="38100" dist="38100" dir="2700000" algn="tl">
+                    <a:srgbClr val="000000">
+                      <a:alpha val="43137"/>
+                    </a:srgbClr>
+                  </a:outerShdw>
+                </a:effectLst>
+              </a:rPr>
               <a:t>Controlling the Pi Remotely with SSH</a:t>
             </a:r>
           </a:p>
@@ -3689,7 +3721,15 @@
           </a:lstStyle>
           <a:p>
             <a:r>
-              <a:rPr lang="en-US" dirty="0"/>
+              <a:rPr lang="en-US" b="1" dirty="0">
+                <a:effectLst>
+                  <a:outerShdw blurRad="38100" dist="38100" dir="2700000" algn="tl">
+                    <a:srgbClr val="000000">
+                      <a:alpha val="43137"/>
+                    </a:srgbClr>
+                  </a:outerShdw>
+                </a:effectLst>
+              </a:rPr>
               <a:t>Controlling the Pi Remotely with VNC </a:t>
             </a:r>
           </a:p>
@@ -4220,7 +4260,15 @@
           </a:lstStyle>
           <a:p>
             <a:r>
-              <a:rPr lang="en-US" dirty="0"/>
+              <a:rPr lang="en-US" b="1" dirty="0">
+                <a:effectLst>
+                  <a:outerShdw blurRad="38100" dist="38100" dir="2700000" algn="tl">
+                    <a:srgbClr val="000000">
+                      <a:alpha val="43137"/>
+                    </a:srgbClr>
+                  </a:outerShdw>
+                </a:effectLst>
+              </a:rPr>
               <a:t>Controlling the Pi Remotely with VNC </a:t>
             </a:r>
           </a:p>
@@ -4830,7 +4878,15 @@
           </a:lstStyle>
           <a:p>
             <a:r>
-              <a:rPr lang="en-US" dirty="0"/>
+              <a:rPr lang="en-US" b="1" dirty="0">
+                <a:effectLst>
+                  <a:outerShdw blurRad="38100" dist="38100" dir="2700000" algn="tl">
+                    <a:srgbClr val="000000">
+                      <a:alpha val="43137"/>
+                    </a:srgbClr>
+                  </a:outerShdw>
+                </a:effectLst>
+              </a:rPr>
               <a:t>Controlling the Pi Remotely with RDP </a:t>
             </a:r>
           </a:p>
@@ -5306,7 +5362,15 @@
           </a:lstStyle>
           <a:p>
             <a:r>
-              <a:rPr lang="en-US" dirty="0"/>
+              <a:rPr lang="en-US" b="1" dirty="0">
+                <a:effectLst>
+                  <a:outerShdw blurRad="38100" dist="38100" dir="2700000" algn="tl">
+                    <a:srgbClr val="000000">
+                      <a:alpha val="43137"/>
+                    </a:srgbClr>
+                  </a:outerShdw>
+                </a:effectLst>
+              </a:rPr>
               <a:t>Using a Raspberry Pi for Network Attached Storage </a:t>
             </a:r>
           </a:p>
@@ -5659,7 +5723,15 @@
           </a:lstStyle>
           <a:p>
             <a:r>
-              <a:rPr lang="en-US" dirty="0"/>
+              <a:rPr lang="en-US" b="1" dirty="0">
+                <a:effectLst>
+                  <a:outerShdw blurRad="38100" dist="38100" dir="2700000" algn="tl">
+                    <a:srgbClr val="000000">
+                      <a:alpha val="43137"/>
+                    </a:srgbClr>
+                  </a:outerShdw>
+                </a:effectLst>
+              </a:rPr>
               <a:t>Using a Raspberry Pi for Network Attached Storage </a:t>
             </a:r>
           </a:p>
@@ -5744,6 +5816,10 @@
             </a:r>
           </a:p>
           <a:p>
+            <a:r>
+              <a:rPr lang="en-US" dirty="0"/>
+              <a:t/>
+            </a:r>
             <a:br>
               <a:rPr lang="en-US" dirty="0"/>
             </a:br>
@@ -5998,7 +6074,15 @@
           </a:lstStyle>
           <a:p>
             <a:r>
-              <a:rPr lang="en-US" dirty="0"/>
+              <a:rPr lang="en-US" b="1" dirty="0">
+                <a:effectLst>
+                  <a:outerShdw blurRad="38100" dist="38100" dir="2700000" algn="tl">
+                    <a:srgbClr val="000000">
+                      <a:alpha val="43137"/>
+                    </a:srgbClr>
+                  </a:outerShdw>
+                </a:effectLst>
+              </a:rPr>
               <a:t>Using a Raspberry Pi for Network Attached Storage </a:t>
             </a:r>
           </a:p>
@@ -6705,7 +6789,15 @@
           </a:lstStyle>
           <a:p>
             <a:r>
-              <a:rPr lang="en-US" dirty="0"/>
+              <a:rPr lang="en-US" b="1" dirty="0">
+                <a:effectLst>
+                  <a:outerShdw blurRad="38100" dist="38100" dir="2700000" algn="tl">
+                    <a:srgbClr val="000000">
+                      <a:alpha val="43137"/>
+                    </a:srgbClr>
+                  </a:outerShdw>
+                </a:effectLst>
+              </a:rPr>
               <a:t>Using a Raspberry Pi for Network Attached Storage </a:t>
             </a:r>
           </a:p>
@@ -7218,7 +7310,15 @@
           </a:lstStyle>
           <a:p>
             <a:r>
-              <a:rPr lang="en-US" dirty="0"/>
+              <a:rPr lang="en-US" b="1" dirty="0">
+                <a:effectLst>
+                  <a:outerShdw blurRad="38100" dist="38100" dir="2700000" algn="tl">
+                    <a:srgbClr val="000000">
+                      <a:alpha val="43137"/>
+                    </a:srgbClr>
+                  </a:outerShdw>
+                </a:effectLst>
+              </a:rPr>
               <a:t>Using a Raspberry Pi for Network Attached Storage </a:t>
             </a:r>
           </a:p>
@@ -7803,7 +7903,15 @@
           </a:lstStyle>
           <a:p>
             <a:r>
-              <a:rPr lang="en-US" dirty="0"/>
+              <a:rPr lang="en-US" b="1" dirty="0">
+                <a:effectLst>
+                  <a:outerShdw blurRad="38100" dist="38100" dir="2700000" algn="tl">
+                    <a:srgbClr val="000000">
+                      <a:alpha val="43137"/>
+                    </a:srgbClr>
+                  </a:outerShdw>
+                </a:effectLst>
+              </a:rPr>
               <a:t>Using a Raspberry Pi for Network Attached Storage </a:t>
             </a:r>
           </a:p>
@@ -8298,7 +8406,15 @@
           </a:lstStyle>
           <a:p>
             <a:r>
-              <a:rPr lang="en-US" dirty="0"/>
+              <a:rPr lang="en-US" b="1" dirty="0">
+                <a:effectLst>
+                  <a:outerShdw blurRad="38100" dist="38100" dir="2700000" algn="tl">
+                    <a:srgbClr val="000000">
+                      <a:alpha val="43137"/>
+                    </a:srgbClr>
+                  </a:outerShdw>
+                </a:effectLst>
+              </a:rPr>
               <a:t>Network And IP</a:t>
             </a:r>
           </a:p>
@@ -8572,7 +8688,15 @@
           </a:lstStyle>
           <a:p>
             <a:r>
-              <a:rPr lang="en-US" dirty="0"/>
+              <a:rPr lang="en-US" b="1" dirty="0">
+                <a:effectLst>
+                  <a:outerShdw blurRad="38100" dist="38100" dir="2700000" algn="tl">
+                    <a:srgbClr val="000000">
+                      <a:alpha val="43137"/>
+                    </a:srgbClr>
+                  </a:outerShdw>
+                </a:effectLst>
+              </a:rPr>
               <a:t>Using a Raspberry Pi for Network Attached Storage </a:t>
             </a:r>
           </a:p>
@@ -8850,7 +8974,15 @@
           </a:lstStyle>
           <a:p>
             <a:r>
-              <a:rPr lang="en-US" dirty="0"/>
+              <a:rPr lang="en-US" b="1" dirty="0">
+                <a:effectLst>
+                  <a:outerShdw blurRad="38100" dist="38100" dir="2700000" algn="tl">
+                    <a:srgbClr val="000000">
+                      <a:alpha val="43137"/>
+                    </a:srgbClr>
+                  </a:outerShdw>
+                </a:effectLst>
+              </a:rPr>
               <a:t>Using a Raspberry Pi for Network Attached Storage </a:t>
             </a:r>
           </a:p>
@@ -9277,17 +9409,50 @@
           </a:lstStyle>
           <a:p>
             <a:r>
-              <a:rPr lang="en-US" dirty="0"/>
+              <a:rPr lang="en-US" b="1" dirty="0">
+                <a:effectLst>
+                  <a:outerShdw blurRad="38100" dist="38100" dir="2700000" algn="tl">
+                    <a:srgbClr val="000000">
+                      <a:alpha val="43137"/>
+                    </a:srgbClr>
+                  </a:outerShdw>
+                </a:effectLst>
+              </a:rPr>
               <a:t>Contact</a:t>
             </a:r>
             <a:r>
-              <a:rPr lang="fa-IR" dirty="0"/>
+              <a:rPr lang="fa-IR" b="1" dirty="0">
+                <a:effectLst>
+                  <a:outerShdw blurRad="38100" dist="38100" dir="2700000" algn="tl">
+                    <a:srgbClr val="000000">
+                      <a:alpha val="43137"/>
+                    </a:srgbClr>
+                  </a:outerShdw>
+                </a:effectLst>
+              </a:rPr>
               <a:t> </a:t>
             </a:r>
             <a:r>
-              <a:rPr lang="en-US" dirty="0"/>
-              <a:t> us</a:t>
-            </a:r>
+              <a:rPr lang="en-US" b="1" dirty="0" smtClean="0">
+                <a:effectLst>
+                  <a:outerShdw blurRad="38100" dist="38100" dir="2700000" algn="tl">
+                    <a:srgbClr val="000000">
+                      <a:alpha val="43137"/>
+                    </a:srgbClr>
+                  </a:outerShdw>
+                </a:effectLst>
+              </a:rPr>
+              <a:t>us</a:t>
+            </a:r>
+            <a:endParaRPr lang="en-US" b="1" dirty="0">
+              <a:effectLst>
+                <a:outerShdw blurRad="38100" dist="38100" dir="2700000" algn="tl">
+                  <a:srgbClr val="000000">
+                    <a:alpha val="43137"/>
+                  </a:srgbClr>
+                </a:outerShdw>
+              </a:effectLst>
+            </a:endParaRPr>
           </a:p>
         </p:txBody>
       </p:sp>
@@ -9602,7 +9767,15 @@
           </a:lstStyle>
           <a:p>
             <a:r>
-              <a:rPr lang="en-US" dirty="0"/>
+              <a:rPr lang="en-US" b="1" dirty="0">
+                <a:effectLst>
+                  <a:outerShdw blurRad="38100" dist="38100" dir="2700000" algn="tl">
+                    <a:srgbClr val="000000">
+                      <a:alpha val="43137"/>
+                    </a:srgbClr>
+                  </a:outerShdw>
+                </a:effectLst>
+              </a:rPr>
               <a:t>Connecting to a Wired Network </a:t>
             </a:r>
           </a:p>
@@ -9847,7 +10020,15 @@
           </a:lstStyle>
           <a:p>
             <a:r>
-              <a:rPr lang="en-US" dirty="0"/>
+              <a:rPr lang="en-US" b="1" dirty="0">
+                <a:effectLst>
+                  <a:outerShdw blurRad="38100" dist="38100" dir="2700000" algn="tl">
+                    <a:srgbClr val="000000">
+                      <a:alpha val="43137"/>
+                    </a:srgbClr>
+                  </a:outerShdw>
+                </a:effectLst>
+              </a:rPr>
               <a:t>Finding Out Your IP Address </a:t>
             </a:r>
           </a:p>
@@ -10197,7 +10378,15 @@
           </a:lstStyle>
           <a:p>
             <a:r>
-              <a:rPr lang="en-US" dirty="0"/>
+              <a:rPr lang="en-US" b="1" dirty="0">
+                <a:effectLst>
+                  <a:outerShdw blurRad="38100" dist="38100" dir="2700000" algn="tl">
+                    <a:srgbClr val="000000">
+                      <a:alpha val="43137"/>
+                    </a:srgbClr>
+                  </a:outerShdw>
+                </a:effectLst>
+              </a:rPr>
               <a:t>Setting a Static IP Address </a:t>
             </a:r>
           </a:p>
@@ -10602,7 +10791,15 @@
           </a:lstStyle>
           <a:p>
             <a:r>
-              <a:rPr lang="en-US" dirty="0"/>
+              <a:rPr lang="en-US" b="1" dirty="0">
+                <a:effectLst>
+                  <a:outerShdw blurRad="38100" dist="38100" dir="2700000" algn="tl">
+                    <a:srgbClr val="000000">
+                      <a:alpha val="43137"/>
+                    </a:srgbClr>
+                  </a:outerShdw>
+                </a:effectLst>
+              </a:rPr>
               <a:t>Setting a Static IP Address </a:t>
             </a:r>
           </a:p>
@@ -11146,7 +11343,15 @@
           </a:lstStyle>
           <a:p>
             <a:r>
-              <a:rPr lang="en-US" dirty="0"/>
+              <a:rPr lang="en-US" b="1" dirty="0">
+                <a:effectLst>
+                  <a:outerShdw blurRad="38100" dist="38100" dir="2700000" algn="tl">
+                    <a:srgbClr val="000000">
+                      <a:alpha val="43137"/>
+                    </a:srgbClr>
+                  </a:outerShdw>
+                </a:effectLst>
+              </a:rPr>
               <a:t>Setting a Static IP Address </a:t>
             </a:r>
           </a:p>
@@ -11679,7 +11884,15 @@
           </a:lstStyle>
           <a:p>
             <a:r>
-              <a:rPr lang="en-US" dirty="0"/>
+              <a:rPr lang="en-US" b="1" dirty="0">
+                <a:effectLst>
+                  <a:outerShdw blurRad="38100" dist="38100" dir="2700000" algn="tl">
+                    <a:srgbClr val="000000">
+                      <a:alpha val="43137"/>
+                    </a:srgbClr>
+                  </a:outerShdw>
+                </a:effectLst>
+              </a:rPr>
               <a:t>Setting the Network Name of a Raspberry Pi </a:t>
             </a:r>
           </a:p>
@@ -12143,7 +12356,15 @@
           </a:lstStyle>
           <a:p>
             <a:r>
-              <a:rPr lang="en-US" dirty="0"/>
+              <a:rPr lang="en-US" b="1" dirty="0">
+                <a:effectLst>
+                  <a:outerShdw blurRad="38100" dist="38100" dir="2700000" algn="tl">
+                    <a:srgbClr val="000000">
+                      <a:alpha val="43137"/>
+                    </a:srgbClr>
+                  </a:outerShdw>
+                </a:effectLst>
+              </a:rPr>
               <a:t>Setting the Network Name of a Raspberry Pi </a:t>
             </a:r>
           </a:p>
